--- a/slides/intro_to_machine_learning.pptx
+++ b/slides/intro_to_machine_learning.pptx
@@ -5,7 +5,7 @@
     <p:sldMasterId id="2147483648" r:id="rId1"/>
   </p:sldMasterIdLst>
   <p:notesMasterIdLst>
-    <p:notesMasterId r:id="rId25"/>
+    <p:notesMasterId r:id="rId23"/>
   </p:notesMasterIdLst>
   <p:sldIdLst>
     <p:sldId id="256" r:id="rId2"/>
@@ -29,8 +29,6 @@
     <p:sldId id="280" r:id="rId20"/>
     <p:sldId id="282" r:id="rId21"/>
     <p:sldId id="281" r:id="rId22"/>
-    <p:sldId id="268" r:id="rId23"/>
-    <p:sldId id="274" r:id="rId24"/>
   </p:sldIdLst>
   <p:sldSz cx="12192000" cy="6858000"/>
   <p:notesSz cx="6858000" cy="9144000"/>
@@ -692,90 +690,6 @@
     <p:extLst>
       <p:ext uri="{BB962C8B-B14F-4D97-AF65-F5344CB8AC3E}">
         <p14:creationId xmlns:p14="http://schemas.microsoft.com/office/powerpoint/2010/main" val="106693600"/>
-      </p:ext>
-    </p:extLst>
-  </p:cSld>
-  <p:clrMapOvr>
-    <a:masterClrMapping/>
-  </p:clrMapOvr>
-</p:notes>
-</file>
-
-<file path=ppt/notesSlides/notesSlide3.xml><?xml version="1.0" encoding="utf-8"?>
-<p:notes xmlns:a="http://schemas.openxmlformats.org/drawingml/2006/main" xmlns:r="http://schemas.openxmlformats.org/officeDocument/2006/relationships" xmlns:p="http://schemas.openxmlformats.org/presentationml/2006/main">
-  <p:cSld>
-    <p:spTree>
-      <p:nvGrpSpPr>
-        <p:cNvPr id="1" name=""/>
-        <p:cNvGrpSpPr/>
-        <p:nvPr/>
-      </p:nvGrpSpPr>
-      <p:grpSpPr>
-        <a:xfrm>
-          <a:off x="0" y="0"/>
-          <a:ext cx="0" cy="0"/>
-          <a:chOff x="0" y="0"/>
-          <a:chExt cx="0" cy="0"/>
-        </a:xfrm>
-      </p:grpSpPr>
-      <p:sp>
-        <p:nvSpPr>
-          <p:cNvPr id="2" name="Slide Image Placeholder 1"/>
-          <p:cNvSpPr>
-            <a:spLocks noGrp="1" noRot="1" noChangeAspect="1"/>
-          </p:cNvSpPr>
-          <p:nvPr>
-            <p:ph type="sldImg"/>
-          </p:nvPr>
-        </p:nvSpPr>
-        <p:spPr/>
-      </p:sp>
-      <p:sp>
-        <p:nvSpPr>
-          <p:cNvPr id="3" name="Notes Placeholder 2"/>
-          <p:cNvSpPr>
-            <a:spLocks noGrp="1"/>
-          </p:cNvSpPr>
-          <p:nvPr>
-            <p:ph type="body" idx="1"/>
-          </p:nvPr>
-        </p:nvSpPr>
-        <p:spPr/>
-        <p:txBody>
-          <a:bodyPr/>
-          <a:lstStyle/>
-          <a:p>
-            <a:endParaRPr lang="en-US" dirty="0"/>
-          </a:p>
-        </p:txBody>
-      </p:sp>
-      <p:sp>
-        <p:nvSpPr>
-          <p:cNvPr id="4" name="Slide Number Placeholder 3"/>
-          <p:cNvSpPr>
-            <a:spLocks noGrp="1"/>
-          </p:cNvSpPr>
-          <p:nvPr>
-            <p:ph type="sldNum" sz="quarter" idx="10"/>
-          </p:nvPr>
-        </p:nvSpPr>
-        <p:spPr/>
-        <p:txBody>
-          <a:bodyPr/>
-          <a:lstStyle/>
-          <a:p>
-            <a:fld id="{325BD034-4EF2-B945-8ACD-54A204268B7D}" type="slidenum">
-              <a:rPr lang="en-US" smtClean="0"/>
-              <a:t>22</a:t>
-            </a:fld>
-            <a:endParaRPr lang="en-US"/>
-          </a:p>
-        </p:txBody>
-      </p:sp>
-    </p:spTree>
-    <p:extLst>
-      <p:ext uri="{BB962C8B-B14F-4D97-AF65-F5344CB8AC3E}">
-        <p14:creationId xmlns:p14="http://schemas.microsoft.com/office/powerpoint/2010/main" val="3451027574"/>
       </p:ext>
     </p:extLst>
   </p:cSld>
@@ -5773,258 +5687,6 @@
     <p:extLst>
       <p:ext uri="{BB962C8B-B14F-4D97-AF65-F5344CB8AC3E}">
         <p14:creationId xmlns:p14="http://schemas.microsoft.com/office/powerpoint/2010/main" val="224750828"/>
-      </p:ext>
-    </p:extLst>
-  </p:cSld>
-  <p:clrMapOvr>
-    <a:masterClrMapping/>
-  </p:clrMapOvr>
-</p:sld>
-</file>
-
-<file path=ppt/slides/slide22.xml><?xml version="1.0" encoding="utf-8"?>
-<p:sld xmlns:a="http://schemas.openxmlformats.org/drawingml/2006/main" xmlns:r="http://schemas.openxmlformats.org/officeDocument/2006/relationships" xmlns:p="http://schemas.openxmlformats.org/presentationml/2006/main">
-  <p:cSld>
-    <p:spTree>
-      <p:nvGrpSpPr>
-        <p:cNvPr id="1" name=""/>
-        <p:cNvGrpSpPr/>
-        <p:nvPr/>
-      </p:nvGrpSpPr>
-      <p:grpSpPr>
-        <a:xfrm>
-          <a:off x="0" y="0"/>
-          <a:ext cx="0" cy="0"/>
-          <a:chOff x="0" y="0"/>
-          <a:chExt cx="0" cy="0"/>
-        </a:xfrm>
-      </p:grpSpPr>
-      <p:sp>
-        <p:nvSpPr>
-          <p:cNvPr id="2" name="Title 1"/>
-          <p:cNvSpPr>
-            <a:spLocks noGrp="1"/>
-          </p:cNvSpPr>
-          <p:nvPr>
-            <p:ph type="title"/>
-          </p:nvPr>
-        </p:nvSpPr>
-        <p:spPr/>
-        <p:txBody>
-          <a:bodyPr/>
-          <a:lstStyle/>
-          <a:p>
-            <a:r>
-              <a:rPr lang="en-US" dirty="0"/>
-              <a:t>Boosted Regression Trees</a:t>
-            </a:r>
-          </a:p>
-        </p:txBody>
-      </p:sp>
-      <p:sp>
-        <p:nvSpPr>
-          <p:cNvPr id="3" name="TextBox 2"/>
-          <p:cNvSpPr txBox="1"/>
-          <p:nvPr/>
-        </p:nvSpPr>
-        <p:spPr>
-          <a:xfrm>
-            <a:off x="1849627" y="1433917"/>
-            <a:ext cx="8596540" cy="1938992"/>
-          </a:xfrm>
-          <a:prstGeom prst="rect">
-            <a:avLst/>
-          </a:prstGeom>
-          <a:noFill/>
-        </p:spPr>
-        <p:txBody>
-          <a:bodyPr wrap="square" rtlCol="0">
-            <a:spAutoFit/>
-          </a:bodyPr>
-          <a:lstStyle/>
-          <a:p>
-            <a:pPr marL="285750" indent="-285750">
-              <a:buFont typeface="Arial"/>
-              <a:buChar char="•"/>
-            </a:pPr>
-            <a:r>
-              <a:rPr lang="en-US" sz="2400" dirty="0"/>
-              <a:t>Trees are grown sequentially using information from previously grown trees (weighted samples instead of bootstrapped samples)</a:t>
-            </a:r>
-          </a:p>
-          <a:p>
-            <a:pPr marL="285750" indent="-285750">
-              <a:buFont typeface="Arial"/>
-              <a:buChar char="•"/>
-            </a:pPr>
-            <a:endParaRPr lang="en-US" sz="2400" dirty="0"/>
-          </a:p>
-          <a:p>
-            <a:endParaRPr lang="en-US" sz="2400" dirty="0">
-              <a:sym typeface="Wingdings"/>
-            </a:endParaRPr>
-          </a:p>
-          <a:p>
-            <a:pPr marL="285750" indent="-285750">
-              <a:buFont typeface="Arial"/>
-              <a:buChar char="•"/>
-            </a:pPr>
-            <a:endParaRPr lang="en-US" sz="2400" dirty="0"/>
-          </a:p>
-        </p:txBody>
-      </p:sp>
-      <p:pic>
-        <p:nvPicPr>
-          <p:cNvPr id="4" name="Picture 3" descr="boostint4.jpeg"/>
-          <p:cNvPicPr>
-            <a:picLocks noChangeAspect="1"/>
-          </p:cNvPicPr>
-          <p:nvPr/>
-        </p:nvPicPr>
-        <p:blipFill rotWithShape="1">
-          <a:blip r:embed="rId3">
-            <a:extLst>
-              <a:ext uri="{28A0092B-C50C-407E-A947-70E740481C1C}">
-                <a14:useLocalDpi xmlns:a14="http://schemas.microsoft.com/office/drawing/2010/main" val="0"/>
-              </a:ext>
-            </a:extLst>
-          </a:blip>
-          <a:srcRect t="17803" b="2699"/>
-          <a:stretch/>
-        </p:blipFill>
-        <p:spPr>
-          <a:xfrm>
-            <a:off x="2257984" y="2422528"/>
-            <a:ext cx="7439243" cy="4435472"/>
-          </a:xfrm>
-          <a:prstGeom prst="rect">
-            <a:avLst/>
-          </a:prstGeom>
-        </p:spPr>
-      </p:pic>
-    </p:spTree>
-    <p:extLst>
-      <p:ext uri="{BB962C8B-B14F-4D97-AF65-F5344CB8AC3E}">
-        <p14:creationId xmlns:p14="http://schemas.microsoft.com/office/powerpoint/2010/main" val="3882745144"/>
-      </p:ext>
-    </p:extLst>
-  </p:cSld>
-  <p:clrMapOvr>
-    <a:masterClrMapping/>
-  </p:clrMapOvr>
-</p:sld>
-</file>
-
-<file path=ppt/slides/slide23.xml><?xml version="1.0" encoding="utf-8"?>
-<p:sld xmlns:a="http://schemas.openxmlformats.org/drawingml/2006/main" xmlns:r="http://schemas.openxmlformats.org/officeDocument/2006/relationships" xmlns:p="http://schemas.openxmlformats.org/presentationml/2006/main">
-  <p:cSld>
-    <p:spTree>
-      <p:nvGrpSpPr>
-        <p:cNvPr id="1" name=""/>
-        <p:cNvGrpSpPr/>
-        <p:nvPr/>
-      </p:nvGrpSpPr>
-      <p:grpSpPr>
-        <a:xfrm>
-          <a:off x="0" y="0"/>
-          <a:ext cx="0" cy="0"/>
-          <a:chOff x="0" y="0"/>
-          <a:chExt cx="0" cy="0"/>
-        </a:xfrm>
-      </p:grpSpPr>
-      <p:sp>
-        <p:nvSpPr>
-          <p:cNvPr id="2" name="Title 1"/>
-          <p:cNvSpPr>
-            <a:spLocks noGrp="1"/>
-          </p:cNvSpPr>
-          <p:nvPr>
-            <p:ph type="title"/>
-          </p:nvPr>
-        </p:nvSpPr>
-        <p:spPr/>
-        <p:txBody>
-          <a:bodyPr/>
-          <a:lstStyle/>
-          <a:p>
-            <a:r>
-              <a:rPr lang="en-US" dirty="0"/>
-              <a:t>RF vs. BRT Comparison</a:t>
-            </a:r>
-          </a:p>
-        </p:txBody>
-      </p:sp>
-      <p:pic>
-        <p:nvPicPr>
-          <p:cNvPr id="3" name="Picture 2" descr="Screen Shot 2017-02-21 at 2.03.15 PM.png"/>
-          <p:cNvPicPr>
-            <a:picLocks noChangeAspect="1"/>
-          </p:cNvPicPr>
-          <p:nvPr/>
-        </p:nvPicPr>
-        <p:blipFill>
-          <a:blip r:embed="rId2">
-            <a:extLst>
-              <a:ext uri="{28A0092B-C50C-407E-A947-70E740481C1C}">
-                <a14:useLocalDpi xmlns:a14="http://schemas.microsoft.com/office/drawing/2010/main" val="0"/>
-              </a:ext>
-            </a:extLst>
-          </a:blip>
-          <a:stretch>
-            <a:fillRect/>
-          </a:stretch>
-        </p:blipFill>
-        <p:spPr>
-          <a:xfrm>
-            <a:off x="2875351" y="1358900"/>
-            <a:ext cx="6425265" cy="4782275"/>
-          </a:xfrm>
-          <a:prstGeom prst="rect">
-            <a:avLst/>
-          </a:prstGeom>
-        </p:spPr>
-      </p:pic>
-      <p:sp>
-        <p:nvSpPr>
-          <p:cNvPr id="4" name="TextBox 3"/>
-          <p:cNvSpPr txBox="1"/>
-          <p:nvPr/>
-        </p:nvSpPr>
-        <p:spPr>
-          <a:xfrm>
-            <a:off x="1981200" y="6322271"/>
-            <a:ext cx="6234425" cy="369332"/>
-          </a:xfrm>
-          <a:prstGeom prst="rect">
-            <a:avLst/>
-          </a:prstGeom>
-          <a:noFill/>
-        </p:spPr>
-        <p:txBody>
-          <a:bodyPr wrap="square" rtlCol="0">
-            <a:spAutoFit/>
-          </a:bodyPr>
-          <a:lstStyle/>
-          <a:p>
-            <a:r>
-              <a:rPr lang="en-US" dirty="0"/>
-              <a:t>James , G. et al., </a:t>
-            </a:r>
-            <a:r>
-              <a:rPr lang="en-US" i="1" dirty="0"/>
-              <a:t>An Introduction to Statistical Learning</a:t>
-            </a:r>
-            <a:r>
-              <a:rPr lang="en-US" dirty="0"/>
-              <a:t>, 2015</a:t>
-            </a:r>
-          </a:p>
-        </p:txBody>
-      </p:sp>
-    </p:spTree>
-    <p:extLst>
-      <p:ext uri="{BB962C8B-B14F-4D97-AF65-F5344CB8AC3E}">
-        <p14:creationId xmlns:p14="http://schemas.microsoft.com/office/powerpoint/2010/main" val="167277262"/>
       </p:ext>
     </p:extLst>
   </p:cSld>
